--- a/fence介绍.pptx
+++ b/fence介绍.pptx
@@ -6,6 +6,10 @@
   </p:sldMasterIdLst>
   <p:sldIdLst>
     <p:sldId id="256" r:id="rId2"/>
+    <p:sldId id="257" r:id="rId3"/>
+    <p:sldId id="258" r:id="rId4"/>
+    <p:sldId id="259" r:id="rId5"/>
+    <p:sldId id="260" r:id="rId6"/>
   </p:sldIdLst>
   <p:sldSz cx="12192000" cy="6858000"/>
   <p:notesSz cx="6858000" cy="9144000"/>
@@ -104,6 +108,11 @@
       </a:defRPr>
     </a:lvl9pPr>
   </p:defaultTextStyle>
+  <p:extLst>
+    <p:ext uri="{EFAFB233-063F-42B5-8137-9DF3F51BA10A}">
+      <p15:sldGuideLst xmlns:p15="http://schemas.microsoft.com/office/powerpoint/2012/main"/>
+    </p:ext>
+  </p:extLst>
 </p:presentation>
 </file>
 
@@ -3374,6 +3383,652 @@
 </p:sld>
 </file>
 
+<file path=ppt/slides/slide2.xml><?xml version="1.0" encoding="utf-8"?>
+<p:sld xmlns:a="http://schemas.openxmlformats.org/drawingml/2006/main" xmlns:r="http://schemas.openxmlformats.org/officeDocument/2006/relationships" xmlns:p="http://schemas.openxmlformats.org/presentationml/2006/main">
+  <p:cSld>
+    <p:spTree>
+      <p:nvGrpSpPr>
+        <p:cNvPr id="1" name=""/>
+        <p:cNvGrpSpPr/>
+        <p:nvPr/>
+      </p:nvGrpSpPr>
+      <p:grpSpPr>
+        <a:xfrm>
+          <a:off x="0" y="0"/>
+          <a:ext cx="0" cy="0"/>
+          <a:chOff x="0" y="0"/>
+          <a:chExt cx="0" cy="0"/>
+        </a:xfrm>
+      </p:grpSpPr>
+      <p:sp>
+        <p:nvSpPr>
+          <p:cNvPr id="2" name="标题 1">
+            <a:extLst>
+              <a:ext uri="{FF2B5EF4-FFF2-40B4-BE49-F238E27FC236}">
+                <a16:creationId xmlns:a16="http://schemas.microsoft.com/office/drawing/2014/main" id="{9A65911B-3906-DE9F-DF01-D6E91B9B70DE}"/>
+              </a:ext>
+            </a:extLst>
+          </p:cNvPr>
+          <p:cNvSpPr>
+            <a:spLocks noGrp="1"/>
+          </p:cNvSpPr>
+          <p:nvPr>
+            <p:ph type="title"/>
+          </p:nvPr>
+        </p:nvSpPr>
+        <p:spPr/>
+        <p:txBody>
+          <a:bodyPr/>
+          <a:lstStyle/>
+          <a:p>
+            <a:r>
+              <a:rPr lang="zh-CN" altLang="en-US" dirty="0"/>
+              <a:t>目录</a:t>
+            </a:r>
+          </a:p>
+        </p:txBody>
+      </p:sp>
+      <p:sp>
+        <p:nvSpPr>
+          <p:cNvPr id="3" name="内容占位符 2">
+            <a:extLst>
+              <a:ext uri="{FF2B5EF4-FFF2-40B4-BE49-F238E27FC236}">
+                <a16:creationId xmlns:a16="http://schemas.microsoft.com/office/drawing/2014/main" id="{9BA3AD15-AA0F-5164-437E-EA2A1F57CDB9}"/>
+              </a:ext>
+            </a:extLst>
+          </p:cNvPr>
+          <p:cNvSpPr>
+            <a:spLocks noGrp="1"/>
+          </p:cNvSpPr>
+          <p:nvPr>
+            <p:ph idx="1"/>
+          </p:nvPr>
+        </p:nvSpPr>
+        <p:spPr/>
+        <p:txBody>
+          <a:bodyPr/>
+          <a:lstStyle/>
+          <a:p>
+            <a:r>
+              <a:rPr lang="en-US" altLang="zh-CN" dirty="0"/>
+              <a:t>1. </a:t>
+            </a:r>
+            <a:r>
+              <a:rPr lang="zh-CN" altLang="en-US" dirty="0"/>
+              <a:t>为什么需要</a:t>
+            </a:r>
+            <a:r>
+              <a:rPr lang="en-US" altLang="zh-CN" dirty="0"/>
+              <a:t>fence</a:t>
+            </a:r>
+            <a:r>
+              <a:rPr lang="zh-CN" altLang="en-US" dirty="0"/>
+              <a:t>机制</a:t>
+            </a:r>
+            <a:r>
+              <a:rPr lang="en-US" altLang="zh-CN" dirty="0"/>
+              <a:t>---</a:t>
+            </a:r>
+            <a:r>
+              <a:rPr lang="zh-CN" altLang="en-US" dirty="0"/>
+              <a:t>主要介绍</a:t>
+            </a:r>
+            <a:r>
+              <a:rPr lang="en-US" altLang="zh-CN" dirty="0"/>
+              <a:t>CPU GPU HWC CRTC</a:t>
+            </a:r>
+            <a:r>
+              <a:rPr lang="zh-CN" altLang="en-US" dirty="0"/>
+              <a:t>的运作机制</a:t>
+            </a:r>
+          </a:p>
+          <a:p>
+            <a:endParaRPr lang="zh-CN" altLang="en-US" dirty="0"/>
+          </a:p>
+          <a:p>
+            <a:r>
+              <a:rPr lang="en-US" altLang="zh-CN" dirty="0"/>
+              <a:t>2. fence</a:t>
+            </a:r>
+            <a:r>
+              <a:rPr lang="zh-CN" altLang="en-US" dirty="0"/>
+              <a:t>在</a:t>
+            </a:r>
+            <a:r>
+              <a:rPr lang="en-US" altLang="zh-CN" dirty="0"/>
+              <a:t>sf</a:t>
+            </a:r>
+            <a:r>
+              <a:rPr lang="zh-CN" altLang="en-US" dirty="0"/>
+              <a:t>中怎么使用</a:t>
+            </a:r>
+          </a:p>
+          <a:p>
+            <a:endParaRPr lang="zh-CN" altLang="en-US" dirty="0"/>
+          </a:p>
+          <a:p>
+            <a:r>
+              <a:rPr lang="en-US" altLang="zh-CN" dirty="0"/>
+              <a:t>3. fence</a:t>
+            </a:r>
+            <a:r>
+              <a:rPr lang="zh-CN" altLang="en-US" dirty="0"/>
+              <a:t>使用的疑惑</a:t>
+            </a:r>
+          </a:p>
+        </p:txBody>
+      </p:sp>
+    </p:spTree>
+    <p:extLst>
+      <p:ext uri="{BB962C8B-B14F-4D97-AF65-F5344CB8AC3E}">
+        <p14:creationId xmlns:p14="http://schemas.microsoft.com/office/powerpoint/2010/main" val="1430449623"/>
+      </p:ext>
+    </p:extLst>
+  </p:cSld>
+  <p:clrMapOvr>
+    <a:masterClrMapping/>
+  </p:clrMapOvr>
+</p:sld>
+</file>
+
+<file path=ppt/slides/slide3.xml><?xml version="1.0" encoding="utf-8"?>
+<p:sld xmlns:a="http://schemas.openxmlformats.org/drawingml/2006/main" xmlns:r="http://schemas.openxmlformats.org/officeDocument/2006/relationships" xmlns:p="http://schemas.openxmlformats.org/presentationml/2006/main">
+  <p:cSld>
+    <p:spTree>
+      <p:nvGrpSpPr>
+        <p:cNvPr id="1" name=""/>
+        <p:cNvGrpSpPr/>
+        <p:nvPr/>
+      </p:nvGrpSpPr>
+      <p:grpSpPr>
+        <a:xfrm>
+          <a:off x="0" y="0"/>
+          <a:ext cx="0" cy="0"/>
+          <a:chOff x="0" y="0"/>
+          <a:chExt cx="0" cy="0"/>
+        </a:xfrm>
+      </p:grpSpPr>
+      <p:pic>
+        <p:nvPicPr>
+          <p:cNvPr id="5" name="图片 4">
+            <a:extLst>
+              <a:ext uri="{FF2B5EF4-FFF2-40B4-BE49-F238E27FC236}">
+                <a16:creationId xmlns:a16="http://schemas.microsoft.com/office/drawing/2014/main" id="{6F0A3BC8-A445-51D1-A2CF-BB838E1F2501}"/>
+              </a:ext>
+            </a:extLst>
+          </p:cNvPr>
+          <p:cNvPicPr>
+            <a:picLocks noChangeAspect="1"/>
+          </p:cNvPicPr>
+          <p:nvPr/>
+        </p:nvPicPr>
+        <p:blipFill>
+          <a:blip r:embed="rId2"/>
+          <a:stretch>
+            <a:fillRect/>
+          </a:stretch>
+        </p:blipFill>
+        <p:spPr>
+          <a:xfrm>
+            <a:off x="219116" y="0"/>
+            <a:ext cx="11753768" cy="6858000"/>
+          </a:xfrm>
+          <a:prstGeom prst="rect">
+            <a:avLst/>
+          </a:prstGeom>
+        </p:spPr>
+      </p:pic>
+    </p:spTree>
+    <p:extLst>
+      <p:ext uri="{BB962C8B-B14F-4D97-AF65-F5344CB8AC3E}">
+        <p14:creationId xmlns:p14="http://schemas.microsoft.com/office/powerpoint/2010/main" val="475490212"/>
+      </p:ext>
+    </p:extLst>
+  </p:cSld>
+  <p:clrMapOvr>
+    <a:masterClrMapping/>
+  </p:clrMapOvr>
+</p:sld>
+</file>
+
+<file path=ppt/slides/slide4.xml><?xml version="1.0" encoding="utf-8"?>
+<p:sld xmlns:a="http://schemas.openxmlformats.org/drawingml/2006/main" xmlns:r="http://schemas.openxmlformats.org/officeDocument/2006/relationships" xmlns:p="http://schemas.openxmlformats.org/presentationml/2006/main">
+  <p:cSld>
+    <p:spTree>
+      <p:nvGrpSpPr>
+        <p:cNvPr id="1" name=""/>
+        <p:cNvGrpSpPr/>
+        <p:nvPr/>
+      </p:nvGrpSpPr>
+      <p:grpSpPr>
+        <a:xfrm>
+          <a:off x="0" y="0"/>
+          <a:ext cx="0" cy="0"/>
+          <a:chOff x="0" y="0"/>
+          <a:chExt cx="0" cy="0"/>
+        </a:xfrm>
+      </p:grpSpPr>
+      <p:sp>
+        <p:nvSpPr>
+          <p:cNvPr id="6" name="文本框 5">
+            <a:extLst>
+              <a:ext uri="{FF2B5EF4-FFF2-40B4-BE49-F238E27FC236}">
+                <a16:creationId xmlns:a16="http://schemas.microsoft.com/office/drawing/2014/main" id="{F695DFA7-127D-A3C5-E2F3-DC631A1E85FB}"/>
+              </a:ext>
+            </a:extLst>
+          </p:cNvPr>
+          <p:cNvSpPr txBox="1"/>
+          <p:nvPr/>
+        </p:nvSpPr>
+        <p:spPr>
+          <a:xfrm>
+            <a:off x="701039" y="413656"/>
+            <a:ext cx="10707189" cy="923330"/>
+          </a:xfrm>
+          <a:prstGeom prst="rect">
+            <a:avLst/>
+          </a:prstGeom>
+          <a:noFill/>
+        </p:spPr>
+        <p:txBody>
+          <a:bodyPr wrap="square" rtlCol="0">
+            <a:spAutoFit/>
+          </a:bodyPr>
+          <a:lstStyle/>
+          <a:p>
+            <a:r>
+              <a:rPr lang="zh-CN" altLang="en-US" dirty="0"/>
+              <a:t>什么是</a:t>
+            </a:r>
+            <a:r>
+              <a:rPr lang="en-US" altLang="zh-CN" dirty="0"/>
+              <a:t>Fence</a:t>
+            </a:r>
+            <a:r>
+              <a:rPr lang="zh-CN" altLang="en-US" dirty="0"/>
+              <a:t>同步？</a:t>
+            </a:r>
+            <a:r>
+              <a:rPr lang="en-US" altLang="zh-CN" dirty="0"/>
+              <a:t>java</a:t>
+            </a:r>
+            <a:r>
+              <a:rPr lang="zh-CN" altLang="en-US" dirty="0"/>
+              <a:t>中有个</a:t>
+            </a:r>
+            <a:r>
+              <a:rPr lang="en-US" altLang="zh-CN" dirty="0"/>
+              <a:t>synchronized</a:t>
+            </a:r>
+            <a:r>
+              <a:rPr lang="zh-CN" altLang="en-US" dirty="0"/>
+              <a:t>关键字，被</a:t>
+            </a:r>
+            <a:r>
+              <a:rPr lang="en-US" altLang="zh-CN" dirty="0"/>
+              <a:t>synchronized</a:t>
+            </a:r>
+            <a:r>
+              <a:rPr lang="zh-CN" altLang="en-US" dirty="0"/>
+              <a:t>修饰的方法同一时间只允许一个线程访问，其实</a:t>
+            </a:r>
+            <a:r>
+              <a:rPr lang="en-US" altLang="zh-CN" dirty="0"/>
+              <a:t>Fence</a:t>
+            </a:r>
+            <a:r>
+              <a:rPr lang="zh-CN" altLang="en-US" dirty="0"/>
+              <a:t>机制也有点类似</a:t>
+            </a:r>
+            <a:r>
+              <a:rPr lang="en-US" altLang="zh-CN" dirty="0"/>
+              <a:t>synchronized</a:t>
+            </a:r>
+            <a:r>
+              <a:rPr lang="zh-CN" altLang="en-US" dirty="0"/>
+              <a:t>的，它的主要作用也是限制生产者消费者对同一块</a:t>
+            </a:r>
+            <a:r>
+              <a:rPr lang="en-US" altLang="zh-CN" dirty="0"/>
+              <a:t>buffer</a:t>
+            </a:r>
+            <a:r>
+              <a:rPr lang="zh-CN" altLang="en-US" dirty="0"/>
+              <a:t>的访问</a:t>
+            </a:r>
+          </a:p>
+        </p:txBody>
+      </p:sp>
+      <p:pic>
+        <p:nvPicPr>
+          <p:cNvPr id="9" name="图片 8">
+            <a:extLst>
+              <a:ext uri="{FF2B5EF4-FFF2-40B4-BE49-F238E27FC236}">
+                <a16:creationId xmlns:a16="http://schemas.microsoft.com/office/drawing/2014/main" id="{041E7301-EF02-5A17-BE89-4C4DEF4BC624}"/>
+              </a:ext>
+            </a:extLst>
+          </p:cNvPr>
+          <p:cNvPicPr>
+            <a:picLocks noChangeAspect="1"/>
+          </p:cNvPicPr>
+          <p:nvPr/>
+        </p:nvPicPr>
+        <p:blipFill>
+          <a:blip r:embed="rId2"/>
+          <a:stretch>
+            <a:fillRect/>
+          </a:stretch>
+        </p:blipFill>
+        <p:spPr>
+          <a:xfrm>
+            <a:off x="2468492" y="1174222"/>
+            <a:ext cx="6388125" cy="5683778"/>
+          </a:xfrm>
+          <a:prstGeom prst="rect">
+            <a:avLst/>
+          </a:prstGeom>
+        </p:spPr>
+      </p:pic>
+    </p:spTree>
+    <p:extLst>
+      <p:ext uri="{BB962C8B-B14F-4D97-AF65-F5344CB8AC3E}">
+        <p14:creationId xmlns:p14="http://schemas.microsoft.com/office/powerpoint/2010/main" val="1399622683"/>
+      </p:ext>
+    </p:extLst>
+  </p:cSld>
+  <p:clrMapOvr>
+    <a:masterClrMapping/>
+  </p:clrMapOvr>
+</p:sld>
+</file>
+
+<file path=ppt/slides/slide5.xml><?xml version="1.0" encoding="utf-8"?>
+<p:sld xmlns:a="http://schemas.openxmlformats.org/drawingml/2006/main" xmlns:r="http://schemas.openxmlformats.org/officeDocument/2006/relationships" xmlns:p="http://schemas.openxmlformats.org/presentationml/2006/main">
+  <p:cSld>
+    <p:spTree>
+      <p:nvGrpSpPr>
+        <p:cNvPr id="1" name=""/>
+        <p:cNvGrpSpPr/>
+        <p:nvPr/>
+      </p:nvGrpSpPr>
+      <p:grpSpPr>
+        <a:xfrm>
+          <a:off x="0" y="0"/>
+          <a:ext cx="0" cy="0"/>
+          <a:chOff x="0" y="0"/>
+          <a:chExt cx="0" cy="0"/>
+        </a:xfrm>
+      </p:grpSpPr>
+      <p:sp>
+        <p:nvSpPr>
+          <p:cNvPr id="3" name="内容占位符 2">
+            <a:extLst>
+              <a:ext uri="{FF2B5EF4-FFF2-40B4-BE49-F238E27FC236}">
+                <a16:creationId xmlns:a16="http://schemas.microsoft.com/office/drawing/2014/main" id="{F0BBA60B-0929-7172-1C77-53FDE8CDE8B0}"/>
+              </a:ext>
+            </a:extLst>
+          </p:cNvPr>
+          <p:cNvSpPr>
+            <a:spLocks noGrp="1"/>
+          </p:cNvSpPr>
+          <p:nvPr>
+            <p:ph idx="1"/>
+          </p:nvPr>
+        </p:nvSpPr>
+        <p:spPr>
+          <a:xfrm>
+            <a:off x="228600" y="528046"/>
+            <a:ext cx="10515600" cy="6264639"/>
+          </a:xfrm>
+        </p:spPr>
+        <p:txBody>
+          <a:bodyPr>
+            <a:noAutofit/>
+          </a:bodyPr>
+          <a:lstStyle/>
+          <a:p>
+            <a:pPr marL="0" indent="0">
+              <a:buNone/>
+            </a:pPr>
+            <a:r>
+              <a:rPr lang="en-US" altLang="zh-CN" sz="1800" dirty="0" err="1"/>
+              <a:t>Userspace</a:t>
+            </a:r>
+            <a:r>
+              <a:rPr lang="en-US" altLang="zh-CN" sz="1800" dirty="0"/>
+              <a:t> C++ Fence Wrapper</a:t>
+            </a:r>
+          </a:p>
+          <a:p>
+            <a:r>
+              <a:rPr lang="en-US" altLang="zh-CN" sz="1800" dirty="0"/>
+              <a:t>./frameworks/native/libs/</a:t>
+            </a:r>
+            <a:r>
+              <a:rPr lang="en-US" altLang="zh-CN" sz="1800" dirty="0" err="1"/>
+              <a:t>ui</a:t>
+            </a:r>
+            <a:r>
+              <a:rPr lang="en-US" altLang="zh-CN" sz="1800" dirty="0"/>
+              <a:t>/Fence.cpp</a:t>
+            </a:r>
+          </a:p>
+          <a:p>
+            <a:r>
+              <a:rPr lang="en-US" altLang="zh-CN" sz="1800" dirty="0"/>
+              <a:t>./frameworks/native/include/</a:t>
+            </a:r>
+            <a:r>
+              <a:rPr lang="en-US" altLang="zh-CN" sz="1800" dirty="0" err="1"/>
+              <a:t>ui</a:t>
+            </a:r>
+            <a:r>
+              <a:rPr lang="en-US" altLang="zh-CN" sz="1800" dirty="0"/>
+              <a:t>/</a:t>
+            </a:r>
+            <a:r>
+              <a:rPr lang="en-US" altLang="zh-CN" sz="1800" dirty="0" err="1"/>
+              <a:t>Fence.h</a:t>
+            </a:r>
+            <a:endParaRPr lang="en-US" altLang="zh-CN" sz="1800" dirty="0"/>
+          </a:p>
+          <a:p>
+            <a:pPr marL="0" indent="0">
+              <a:buNone/>
+            </a:pPr>
+            <a:r>
+              <a:rPr lang="en-US" altLang="zh-CN" sz="1800" dirty="0"/>
+              <a:t>            </a:t>
+            </a:r>
+          </a:p>
+          <a:p>
+            <a:pPr marL="0" indent="0">
+              <a:buNone/>
+            </a:pPr>
+            <a:r>
+              <a:rPr lang="en-US" altLang="zh-CN" sz="1800" dirty="0" err="1"/>
+              <a:t>Userspace</a:t>
+            </a:r>
+            <a:r>
+              <a:rPr lang="en-US" altLang="zh-CN" sz="1800" dirty="0"/>
+              <a:t> C Library</a:t>
+            </a:r>
+          </a:p>
+          <a:p>
+            <a:r>
+              <a:rPr lang="en-US" altLang="zh-CN" sz="1800" dirty="0"/>
+              <a:t>./system/core/</a:t>
+            </a:r>
+            <a:r>
+              <a:rPr lang="en-US" altLang="zh-CN" sz="1800" dirty="0" err="1"/>
+              <a:t>libsync</a:t>
+            </a:r>
+            <a:r>
+              <a:rPr lang="en-US" altLang="zh-CN" sz="1800" dirty="0"/>
+              <a:t>/</a:t>
+            </a:r>
+            <a:r>
+              <a:rPr lang="en-US" altLang="zh-CN" sz="1800" dirty="0" err="1"/>
+              <a:t>sync.c</a:t>
+            </a:r>
+            <a:endParaRPr lang="en-US" altLang="zh-CN" sz="1800" dirty="0"/>
+          </a:p>
+          <a:p>
+            <a:endParaRPr lang="en-US" altLang="zh-CN" sz="1800" dirty="0"/>
+          </a:p>
+          <a:p>
+            <a:pPr marL="0" indent="0">
+              <a:buNone/>
+            </a:pPr>
+            <a:r>
+              <a:rPr lang="en-US" altLang="zh-CN" sz="1800" dirty="0"/>
+              <a:t>Kernel Software Timeline</a:t>
+            </a:r>
+          </a:p>
+          <a:p>
+            <a:r>
+              <a:rPr lang="en-US" altLang="zh-CN" sz="1800" dirty="0"/>
+              <a:t>./</a:t>
+            </a:r>
+            <a:r>
+              <a:rPr lang="en-US" altLang="zh-CN" sz="1800" dirty="0" err="1"/>
+              <a:t>linux</a:t>
+            </a:r>
+            <a:r>
+              <a:rPr lang="en-US" altLang="zh-CN" sz="1800" dirty="0"/>
+              <a:t>/kernel/drivers/staging/android/</a:t>
+            </a:r>
+            <a:r>
+              <a:rPr lang="en-US" altLang="zh-CN" sz="1800" dirty="0" err="1"/>
+              <a:t>sw_sync.h</a:t>
+            </a:r>
+            <a:endParaRPr lang="en-US" altLang="zh-CN" sz="1800" dirty="0"/>
+          </a:p>
+          <a:p>
+            <a:r>
+              <a:rPr lang="en-US" altLang="zh-CN" sz="1800" dirty="0"/>
+              <a:t>./</a:t>
+            </a:r>
+            <a:r>
+              <a:rPr lang="en-US" altLang="zh-CN" sz="1800" dirty="0" err="1"/>
+              <a:t>linux</a:t>
+            </a:r>
+            <a:r>
+              <a:rPr lang="en-US" altLang="zh-CN" sz="1800" dirty="0"/>
+              <a:t>/kernel/drivers/staging/android/</a:t>
+            </a:r>
+            <a:r>
+              <a:rPr lang="en-US" altLang="zh-CN" sz="1800" dirty="0" err="1"/>
+              <a:t>sw_sync.c</a:t>
+            </a:r>
+            <a:endParaRPr lang="en-US" altLang="zh-CN" sz="1800" dirty="0"/>
+          </a:p>
+          <a:p>
+            <a:r>
+              <a:rPr lang="en-US" altLang="zh-CN" sz="1800" dirty="0"/>
+              <a:t>./external/kernel-headers/original/</a:t>
+            </a:r>
+            <a:r>
+              <a:rPr lang="en-US" altLang="zh-CN" sz="1800" dirty="0" err="1"/>
+              <a:t>linux</a:t>
+            </a:r>
+            <a:r>
+              <a:rPr lang="en-US" altLang="zh-CN" sz="1800" dirty="0"/>
+              <a:t>/</a:t>
+            </a:r>
+            <a:r>
+              <a:rPr lang="en-US" altLang="zh-CN" sz="1800" dirty="0" err="1"/>
+              <a:t>sw_sync.h</a:t>
+            </a:r>
+            <a:endParaRPr lang="en-US" altLang="zh-CN" sz="1800" dirty="0"/>
+          </a:p>
+          <a:p>
+            <a:pPr marL="0" indent="0">
+              <a:buNone/>
+            </a:pPr>
+            <a:endParaRPr lang="en-US" altLang="zh-CN" sz="1800" dirty="0"/>
+          </a:p>
+          <a:p>
+            <a:pPr marL="0" indent="0">
+              <a:buNone/>
+            </a:pPr>
+            <a:r>
+              <a:rPr lang="en-US" altLang="zh-CN" sz="1800" dirty="0"/>
+              <a:t>Kernel Fence Framework</a:t>
+            </a:r>
+          </a:p>
+          <a:p>
+            <a:r>
+              <a:rPr lang="en-US" altLang="zh-CN" sz="1800" dirty="0"/>
+              <a:t>./external/kernel-headers/original/</a:t>
+            </a:r>
+            <a:r>
+              <a:rPr lang="en-US" altLang="zh-CN" sz="1800" dirty="0" err="1"/>
+              <a:t>linux</a:t>
+            </a:r>
+            <a:r>
+              <a:rPr lang="en-US" altLang="zh-CN" sz="1800" dirty="0"/>
+              <a:t>/</a:t>
+            </a:r>
+            <a:r>
+              <a:rPr lang="en-US" altLang="zh-CN" sz="1800" dirty="0" err="1"/>
+              <a:t>sync.h</a:t>
+            </a:r>
+            <a:endParaRPr lang="en-US" altLang="zh-CN" sz="1800" dirty="0"/>
+          </a:p>
+          <a:p>
+            <a:r>
+              <a:rPr lang="en-US" altLang="zh-CN" sz="1800" dirty="0"/>
+              <a:t>./</a:t>
+            </a:r>
+            <a:r>
+              <a:rPr lang="en-US" altLang="zh-CN" sz="1800" dirty="0" err="1"/>
+              <a:t>linux</a:t>
+            </a:r>
+            <a:r>
+              <a:rPr lang="en-US" altLang="zh-CN" sz="1800" dirty="0"/>
+              <a:t>/kernel/drivers/staging/android/</a:t>
+            </a:r>
+            <a:r>
+              <a:rPr lang="en-US" altLang="zh-CN" sz="1800" dirty="0" err="1"/>
+              <a:t>sync.h</a:t>
+            </a:r>
+            <a:endParaRPr lang="en-US" altLang="zh-CN" sz="1800" dirty="0"/>
+          </a:p>
+          <a:p>
+            <a:r>
+              <a:rPr lang="en-US" altLang="zh-CN" sz="1800" dirty="0"/>
+              <a:t>./</a:t>
+            </a:r>
+            <a:r>
+              <a:rPr lang="en-US" altLang="zh-CN" sz="1800" dirty="0" err="1"/>
+              <a:t>linux</a:t>
+            </a:r>
+            <a:r>
+              <a:rPr lang="en-US" altLang="zh-CN" sz="1800" dirty="0"/>
+              <a:t>/kernel/drivers/staging/android/</a:t>
+            </a:r>
+            <a:r>
+              <a:rPr lang="en-US" altLang="zh-CN" sz="1800" dirty="0" err="1"/>
+              <a:t>sync.c</a:t>
+            </a:r>
+            <a:endParaRPr lang="zh-CN" altLang="en-US" sz="1800" dirty="0"/>
+          </a:p>
+        </p:txBody>
+      </p:sp>
+    </p:spTree>
+    <p:extLst>
+      <p:ext uri="{BB962C8B-B14F-4D97-AF65-F5344CB8AC3E}">
+        <p14:creationId xmlns:p14="http://schemas.microsoft.com/office/powerpoint/2010/main" val="2638575296"/>
+      </p:ext>
+    </p:extLst>
+  </p:cSld>
+  <p:clrMapOvr>
+    <a:masterClrMapping/>
+  </p:clrMapOvr>
+</p:sld>
+</file>
+
 <file path=ppt/theme/theme1.xml><?xml version="1.0" encoding="utf-8"?>
 <a:theme xmlns:a="http://schemas.openxmlformats.org/drawingml/2006/main" name="Office 主题​​">
   <a:themeElements>
